--- a/Buttons.pptx
+++ b/Buttons.pptx
@@ -6,6 +6,7 @@
   </p:sldMasterIdLst>
   <p:sldIdLst>
     <p:sldId id="256" r:id="rId2"/>
+    <p:sldId id="257" r:id="rId3"/>
   </p:sldIdLst>
   <p:sldSz cx="9144000" cy="6858000" type="screen4x3"/>
   <p:notesSz cx="6858000" cy="9144000"/>
@@ -288,7 +289,7 @@
           <a:p>
             <a:fld id="{84BADF00-34E4-42BB-AA00-2CB9441AFC63}" type="datetimeFigureOut">
               <a:rPr lang="de-DE" smtClean="0"/>
-              <a:t>08.11.2019</a:t>
+              <a:t>12.11.2019</a:t>
             </a:fld>
             <a:endParaRPr lang="de-DE"/>
           </a:p>
@@ -458,7 +459,7 @@
           <a:p>
             <a:fld id="{84BADF00-34E4-42BB-AA00-2CB9441AFC63}" type="datetimeFigureOut">
               <a:rPr lang="de-DE" smtClean="0"/>
-              <a:t>08.11.2019</a:t>
+              <a:t>12.11.2019</a:t>
             </a:fld>
             <a:endParaRPr lang="de-DE"/>
           </a:p>
@@ -638,7 +639,7 @@
           <a:p>
             <a:fld id="{84BADF00-34E4-42BB-AA00-2CB9441AFC63}" type="datetimeFigureOut">
               <a:rPr lang="de-DE" smtClean="0"/>
-              <a:t>08.11.2019</a:t>
+              <a:t>12.11.2019</a:t>
             </a:fld>
             <a:endParaRPr lang="de-DE"/>
           </a:p>
@@ -808,7 +809,7 @@
           <a:p>
             <a:fld id="{84BADF00-34E4-42BB-AA00-2CB9441AFC63}" type="datetimeFigureOut">
               <a:rPr lang="de-DE" smtClean="0"/>
-              <a:t>08.11.2019</a:t>
+              <a:t>12.11.2019</a:t>
             </a:fld>
             <a:endParaRPr lang="de-DE"/>
           </a:p>
@@ -1054,7 +1055,7 @@
           <a:p>
             <a:fld id="{84BADF00-34E4-42BB-AA00-2CB9441AFC63}" type="datetimeFigureOut">
               <a:rPr lang="de-DE" smtClean="0"/>
-              <a:t>08.11.2019</a:t>
+              <a:t>12.11.2019</a:t>
             </a:fld>
             <a:endParaRPr lang="de-DE"/>
           </a:p>
@@ -1342,7 +1343,7 @@
           <a:p>
             <a:fld id="{84BADF00-34E4-42BB-AA00-2CB9441AFC63}" type="datetimeFigureOut">
               <a:rPr lang="de-DE" smtClean="0"/>
-              <a:t>08.11.2019</a:t>
+              <a:t>12.11.2019</a:t>
             </a:fld>
             <a:endParaRPr lang="de-DE"/>
           </a:p>
@@ -1764,7 +1765,7 @@
           <a:p>
             <a:fld id="{84BADF00-34E4-42BB-AA00-2CB9441AFC63}" type="datetimeFigureOut">
               <a:rPr lang="de-DE" smtClean="0"/>
-              <a:t>08.11.2019</a:t>
+              <a:t>12.11.2019</a:t>
             </a:fld>
             <a:endParaRPr lang="de-DE"/>
           </a:p>
@@ -1882,7 +1883,7 @@
           <a:p>
             <a:fld id="{84BADF00-34E4-42BB-AA00-2CB9441AFC63}" type="datetimeFigureOut">
               <a:rPr lang="de-DE" smtClean="0"/>
-              <a:t>08.11.2019</a:t>
+              <a:t>12.11.2019</a:t>
             </a:fld>
             <a:endParaRPr lang="de-DE"/>
           </a:p>
@@ -1977,7 +1978,7 @@
           <a:p>
             <a:fld id="{84BADF00-34E4-42BB-AA00-2CB9441AFC63}" type="datetimeFigureOut">
               <a:rPr lang="de-DE" smtClean="0"/>
-              <a:t>08.11.2019</a:t>
+              <a:t>12.11.2019</a:t>
             </a:fld>
             <a:endParaRPr lang="de-DE"/>
           </a:p>
@@ -2254,7 +2255,7 @@
           <a:p>
             <a:fld id="{84BADF00-34E4-42BB-AA00-2CB9441AFC63}" type="datetimeFigureOut">
               <a:rPr lang="de-DE" smtClean="0"/>
-              <a:t>08.11.2019</a:t>
+              <a:t>12.11.2019</a:t>
             </a:fld>
             <a:endParaRPr lang="de-DE"/>
           </a:p>
@@ -2507,7 +2508,7 @@
           <a:p>
             <a:fld id="{84BADF00-34E4-42BB-AA00-2CB9441AFC63}" type="datetimeFigureOut">
               <a:rPr lang="de-DE" smtClean="0"/>
-              <a:t>08.11.2019</a:t>
+              <a:t>12.11.2019</a:t>
             </a:fld>
             <a:endParaRPr lang="de-DE"/>
           </a:p>
@@ -2720,7 +2721,7 @@
           <a:p>
             <a:fld id="{84BADF00-34E4-42BB-AA00-2CB9441AFC63}" type="datetimeFigureOut">
               <a:rPr lang="de-DE" smtClean="0"/>
-              <a:t>08.11.2019</a:t>
+              <a:t>12.11.2019</a:t>
             </a:fld>
             <a:endParaRPr lang="de-DE"/>
           </a:p>
@@ -3097,32 +3098,38 @@
       </p:grpSpPr>
       <p:sp>
         <p:nvSpPr>
-          <p:cNvPr id="4" name="Ellipse 3"/>
+          <p:cNvPr id="8" name="Ellipse 7"/>
           <p:cNvSpPr/>
           <p:nvPr/>
         </p:nvSpPr>
         <p:spPr>
           <a:xfrm>
-            <a:off x="2699792" y="980728"/>
-            <a:ext cx="1944216" cy="1944216"/>
+            <a:off x="2555776" y="836712"/>
+            <a:ext cx="2160000" cy="2160000"/>
           </a:xfrm>
           <a:prstGeom prst="ellipse">
             <a:avLst/>
           </a:prstGeom>
-          <a:noFill/>
-          <a:ln w="101600">
+          <a:solidFill>
+            <a:schemeClr val="bg1"/>
+          </a:solidFill>
+          <a:ln w="127000">
             <a:solidFill>
-              <a:schemeClr val="bg1">
-                <a:lumMod val="50000"/>
-              </a:schemeClr>
+              <a:srgbClr val="3FCDFF"/>
             </a:solidFill>
           </a:ln>
           <a:effectLst>
-            <a:outerShdw blurRad="50800" dist="38100" dir="2700000" algn="tl" rotWithShape="0">
+            <a:glow rad="101600">
+              <a:schemeClr val="accent1">
+                <a:satMod val="175000"/>
+                <a:alpha val="40000"/>
+              </a:schemeClr>
+            </a:glow>
+            <a:innerShdw blurRad="63500" dist="50800" dir="18900000">
               <a:prstClr val="black">
-                <a:alpha val="40000"/>
+                <a:alpha val="50000"/>
               </a:prstClr>
-            </a:outerShdw>
+            </a:innerShdw>
           </a:effectLst>
         </p:spPr>
         <p:style>
@@ -3152,37 +3159,44 @@
       </p:sp>
       <p:sp>
         <p:nvSpPr>
-          <p:cNvPr id="5" name="Rechteck 4"/>
+          <p:cNvPr id="4" name="Ellipse 3"/>
           <p:cNvSpPr/>
           <p:nvPr/>
         </p:nvSpPr>
         <p:spPr>
           <a:xfrm>
-            <a:off x="3059832" y="1520800"/>
-            <a:ext cx="1224136" cy="108000"/>
+            <a:off x="2663668" y="944604"/>
+            <a:ext cx="1944216" cy="1944216"/>
           </a:xfrm>
-          <a:prstGeom prst="rect">
+          <a:prstGeom prst="ellipse">
             <a:avLst/>
           </a:prstGeom>
           <a:solidFill>
-            <a:schemeClr val="bg1">
+            <a:schemeClr val="tx1">
               <a:lumMod val="50000"/>
+              <a:lumOff val="50000"/>
             </a:schemeClr>
           </a:solidFill>
-          <a:ln w="53975" cmpd="sng">
+          <a:ln w="133350">
             <a:solidFill>
-              <a:schemeClr val="bg1">
-                <a:lumMod val="50000"/>
+              <a:schemeClr val="tx1">
+                <a:lumMod val="65000"/>
+                <a:lumOff val="35000"/>
               </a:schemeClr>
             </a:solidFill>
-            <a:prstDash val="solid"/>
           </a:ln>
           <a:effectLst>
-            <a:outerShdw blurRad="50800" dist="38100" dir="2700000" algn="tl" rotWithShape="0">
+            <a:glow rad="101600">
+              <a:schemeClr val="accent1">
+                <a:satMod val="175000"/>
+                <a:alpha val="40000"/>
+              </a:schemeClr>
+            </a:glow>
+            <a:innerShdw blurRad="63500" dist="50800" dir="18900000">
               <a:prstClr val="black">
-                <a:alpha val="40000"/>
+                <a:alpha val="50000"/>
               </a:prstClr>
-            </a:outerShdw>
+            </a:innerShdw>
           </a:effectLst>
         </p:spPr>
         <p:style>
@@ -3212,37 +3226,42 @@
       </p:sp>
       <p:sp>
         <p:nvSpPr>
-          <p:cNvPr id="6" name="Rechteck 5"/>
+          <p:cNvPr id="5" name="Rechteck 4"/>
           <p:cNvSpPr/>
           <p:nvPr/>
         </p:nvSpPr>
         <p:spPr>
           <a:xfrm>
-            <a:off x="3059832" y="1898836"/>
-            <a:ext cx="1224136" cy="108000"/>
+            <a:off x="2987776" y="1412776"/>
+            <a:ext cx="1296000" cy="180000"/>
           </a:xfrm>
           <a:prstGeom prst="rect">
             <a:avLst/>
           </a:prstGeom>
           <a:solidFill>
-            <a:schemeClr val="bg1">
-              <a:lumMod val="50000"/>
+            <a:schemeClr val="tx1">
+              <a:lumMod val="65000"/>
+              <a:lumOff val="35000"/>
             </a:schemeClr>
           </a:solidFill>
-          <a:ln w="53975" cmpd="sng">
+          <a:ln w="38100" cmpd="sng">
             <a:solidFill>
-              <a:schemeClr val="bg1">
-                <a:lumMod val="50000"/>
-              </a:schemeClr>
+              <a:srgbClr val="3FCDFF"/>
             </a:solidFill>
             <a:prstDash val="solid"/>
           </a:ln>
           <a:effectLst>
-            <a:outerShdw blurRad="50800" dist="38100" dir="2700000" algn="tl" rotWithShape="0">
+            <a:glow rad="101600">
+              <a:schemeClr val="accent1">
+                <a:satMod val="175000"/>
+                <a:alpha val="40000"/>
+              </a:schemeClr>
+            </a:glow>
+            <a:innerShdw blurRad="63500" dist="50800" dir="18900000">
               <a:prstClr val="black">
-                <a:alpha val="40000"/>
+                <a:alpha val="50000"/>
               </a:prstClr>
-            </a:outerShdw>
+            </a:innerShdw>
           </a:effectLst>
         </p:spPr>
         <p:style>
@@ -3272,37 +3291,42 @@
       </p:sp>
       <p:sp>
         <p:nvSpPr>
-          <p:cNvPr id="7" name="Rechteck 6"/>
+          <p:cNvPr id="6" name="Rechteck 5"/>
           <p:cNvSpPr/>
           <p:nvPr/>
         </p:nvSpPr>
         <p:spPr>
           <a:xfrm>
-            <a:off x="3059832" y="2276872"/>
-            <a:ext cx="1224136" cy="108000"/>
+            <a:off x="2987776" y="1826712"/>
+            <a:ext cx="1296000" cy="180000"/>
           </a:xfrm>
           <a:prstGeom prst="rect">
             <a:avLst/>
           </a:prstGeom>
           <a:solidFill>
-            <a:schemeClr val="bg1">
-              <a:lumMod val="50000"/>
+            <a:schemeClr val="tx1">
+              <a:lumMod val="65000"/>
+              <a:lumOff val="35000"/>
             </a:schemeClr>
           </a:solidFill>
-          <a:ln w="53975" cmpd="sng">
+          <a:ln w="38100" cmpd="sng">
             <a:solidFill>
-              <a:schemeClr val="bg1">
-                <a:lumMod val="50000"/>
-              </a:schemeClr>
+              <a:srgbClr val="3FCDFF"/>
             </a:solidFill>
             <a:prstDash val="solid"/>
           </a:ln>
           <a:effectLst>
-            <a:outerShdw blurRad="50800" dist="38100" dir="2700000" algn="tl" rotWithShape="0">
+            <a:glow rad="101600">
+              <a:schemeClr val="accent1">
+                <a:satMod val="175000"/>
+                <a:alpha val="40000"/>
+              </a:schemeClr>
+            </a:glow>
+            <a:innerShdw blurRad="63500" dist="50800" dir="18900000">
               <a:prstClr val="black">
-                <a:alpha val="40000"/>
+                <a:alpha val="50000"/>
               </a:prstClr>
-            </a:outerShdw>
+            </a:innerShdw>
           </a:effectLst>
         </p:spPr>
         <p:style>
@@ -3330,10 +3354,661 @@
           </a:p>
         </p:txBody>
       </p:sp>
+      <p:sp>
+        <p:nvSpPr>
+          <p:cNvPr id="7" name="Rechteck 6"/>
+          <p:cNvSpPr/>
+          <p:nvPr/>
+        </p:nvSpPr>
+        <p:spPr>
+          <a:xfrm>
+            <a:off x="2987776" y="2276872"/>
+            <a:ext cx="1296000" cy="180000"/>
+          </a:xfrm>
+          <a:prstGeom prst="rect">
+            <a:avLst/>
+          </a:prstGeom>
+          <a:solidFill>
+            <a:schemeClr val="tx1">
+              <a:lumMod val="65000"/>
+              <a:lumOff val="35000"/>
+            </a:schemeClr>
+          </a:solidFill>
+          <a:ln w="38100" cmpd="sng">
+            <a:solidFill>
+              <a:srgbClr val="3FCDFF"/>
+            </a:solidFill>
+            <a:prstDash val="solid"/>
+          </a:ln>
+          <a:effectLst>
+            <a:glow rad="101600">
+              <a:schemeClr val="accent1">
+                <a:satMod val="175000"/>
+                <a:alpha val="40000"/>
+              </a:schemeClr>
+            </a:glow>
+            <a:innerShdw blurRad="63500" dist="50800" dir="18900000">
+              <a:prstClr val="black">
+                <a:alpha val="50000"/>
+              </a:prstClr>
+            </a:innerShdw>
+          </a:effectLst>
+        </p:spPr>
+        <p:style>
+          <a:lnRef idx="2">
+            <a:schemeClr val="accent1">
+              <a:shade val="50000"/>
+            </a:schemeClr>
+          </a:lnRef>
+          <a:fillRef idx="1">
+            <a:schemeClr val="accent1"/>
+          </a:fillRef>
+          <a:effectRef idx="0">
+            <a:schemeClr val="accent1"/>
+          </a:effectRef>
+          <a:fontRef idx="minor">
+            <a:schemeClr val="lt1"/>
+          </a:fontRef>
+        </p:style>
+        <p:txBody>
+          <a:bodyPr rtlCol="0" anchor="ctr"/>
+          <a:lstStyle/>
+          <a:p>
+            <a:pPr algn="ctr"/>
+            <a:endParaRPr lang="de-DE"/>
+          </a:p>
+        </p:txBody>
+      </p:sp>
+      <p:sp>
+        <p:nvSpPr>
+          <p:cNvPr id="2" name="Rechteck 1"/>
+          <p:cNvSpPr/>
+          <p:nvPr/>
+        </p:nvSpPr>
+        <p:spPr>
+          <a:xfrm>
+            <a:off x="1414186" y="3717032"/>
+            <a:ext cx="3024336" cy="1800200"/>
+          </a:xfrm>
+          <a:prstGeom prst="rect">
+            <a:avLst/>
+          </a:prstGeom>
+          <a:solidFill>
+            <a:schemeClr val="tx1">
+              <a:lumMod val="65000"/>
+              <a:lumOff val="35000"/>
+            </a:schemeClr>
+          </a:solidFill>
+          <a:ln w="28575">
+            <a:solidFill>
+              <a:srgbClr val="3FCDFF"/>
+            </a:solidFill>
+          </a:ln>
+        </p:spPr>
+        <p:style>
+          <a:lnRef idx="2">
+            <a:schemeClr val="accent1">
+              <a:shade val="50000"/>
+            </a:schemeClr>
+          </a:lnRef>
+          <a:fillRef idx="1">
+            <a:schemeClr val="accent1"/>
+          </a:fillRef>
+          <a:effectRef idx="0">
+            <a:schemeClr val="accent1"/>
+          </a:effectRef>
+          <a:fontRef idx="minor">
+            <a:schemeClr val="lt1"/>
+          </a:fontRef>
+        </p:style>
+        <p:txBody>
+          <a:bodyPr rtlCol="0" anchor="ctr"/>
+          <a:lstStyle/>
+          <a:p>
+            <a:pPr algn="ctr"/>
+            <a:endParaRPr lang="de-DE" sz="3200" b="1" dirty="0">
+              <a:latin typeface="Arial Rounded MT Bold" panose="020F0704030504030204" pitchFamily="34" charset="0"/>
+            </a:endParaRPr>
+          </a:p>
+        </p:txBody>
+      </p:sp>
+      <p:sp>
+        <p:nvSpPr>
+          <p:cNvPr id="3" name="Rechteck 2"/>
+          <p:cNvSpPr/>
+          <p:nvPr/>
+        </p:nvSpPr>
+        <p:spPr>
+          <a:xfrm>
+            <a:off x="6876256" y="3717032"/>
+            <a:ext cx="720080" cy="648072"/>
+          </a:xfrm>
+          <a:prstGeom prst="rect">
+            <a:avLst/>
+          </a:prstGeom>
+          <a:solidFill>
+            <a:srgbClr val="7F7F7F"/>
+          </a:solidFill>
+          <a:ln>
+            <a:noFill/>
+          </a:ln>
+        </p:spPr>
+        <p:style>
+          <a:lnRef idx="2">
+            <a:schemeClr val="accent1">
+              <a:shade val="50000"/>
+            </a:schemeClr>
+          </a:lnRef>
+          <a:fillRef idx="1">
+            <a:schemeClr val="accent1"/>
+          </a:fillRef>
+          <a:effectRef idx="0">
+            <a:schemeClr val="accent1"/>
+          </a:effectRef>
+          <a:fontRef idx="minor">
+            <a:schemeClr val="lt1"/>
+          </a:fontRef>
+        </p:style>
+        <p:txBody>
+          <a:bodyPr rtlCol="0" anchor="ctr"/>
+          <a:lstStyle/>
+          <a:p>
+            <a:pPr algn="ctr"/>
+            <a:endParaRPr lang="de-DE"/>
+          </a:p>
+        </p:txBody>
+      </p:sp>
     </p:spTree>
     <p:extLst>
       <p:ext uri="{BB962C8B-B14F-4D97-AF65-F5344CB8AC3E}">
         <p14:creationId xmlns:p14="http://schemas.microsoft.com/office/powerpoint/2010/main" val="235250301"/>
+      </p:ext>
+    </p:extLst>
+  </p:cSld>
+  <p:clrMapOvr>
+    <a:masterClrMapping/>
+  </p:clrMapOvr>
+</p:sld>
+</file>
+
+<file path=ppt/slides/slide2.xml><?xml version="1.0" encoding="utf-8"?>
+<p:sld xmlns:a="http://schemas.openxmlformats.org/drawingml/2006/main" xmlns:r="http://schemas.openxmlformats.org/officeDocument/2006/relationships" xmlns:p="http://schemas.openxmlformats.org/presentationml/2006/main">
+  <p:cSld>
+    <p:spTree>
+      <p:nvGrpSpPr>
+        <p:cNvPr id="1" name=""/>
+        <p:cNvGrpSpPr/>
+        <p:nvPr/>
+      </p:nvGrpSpPr>
+      <p:grpSpPr>
+        <a:xfrm>
+          <a:off x="0" y="0"/>
+          <a:ext cx="0" cy="0"/>
+          <a:chOff x="0" y="0"/>
+          <a:chExt cx="0" cy="0"/>
+        </a:xfrm>
+      </p:grpSpPr>
+      <p:sp>
+        <p:nvSpPr>
+          <p:cNvPr id="4" name="Rechteck 3"/>
+          <p:cNvSpPr/>
+          <p:nvPr/>
+        </p:nvSpPr>
+        <p:spPr>
+          <a:xfrm>
+            <a:off x="251520" y="404664"/>
+            <a:ext cx="8712968" cy="5904656"/>
+          </a:xfrm>
+          <a:prstGeom prst="rect">
+            <a:avLst/>
+          </a:prstGeom>
+          <a:solidFill>
+            <a:srgbClr val="7F7F7F"/>
+          </a:solidFill>
+        </p:spPr>
+        <p:style>
+          <a:lnRef idx="2">
+            <a:schemeClr val="accent1">
+              <a:shade val="50000"/>
+            </a:schemeClr>
+          </a:lnRef>
+          <a:fillRef idx="1">
+            <a:schemeClr val="accent1"/>
+          </a:fillRef>
+          <a:effectRef idx="0">
+            <a:schemeClr val="accent1"/>
+          </a:effectRef>
+          <a:fontRef idx="minor">
+            <a:schemeClr val="lt1"/>
+          </a:fontRef>
+        </p:style>
+        <p:txBody>
+          <a:bodyPr rtlCol="0" anchor="ctr"/>
+          <a:lstStyle/>
+          <a:p>
+            <a:pPr algn="ctr"/>
+            <a:endParaRPr lang="de-DE"/>
+          </a:p>
+        </p:txBody>
+      </p:sp>
+      <p:sp>
+        <p:nvSpPr>
+          <p:cNvPr id="5" name="Rechteck 4"/>
+          <p:cNvSpPr/>
+          <p:nvPr/>
+        </p:nvSpPr>
+        <p:spPr>
+          <a:xfrm>
+            <a:off x="1331640" y="836712"/>
+            <a:ext cx="802626" cy="360040"/>
+          </a:xfrm>
+          <a:prstGeom prst="rect">
+            <a:avLst/>
+          </a:prstGeom>
+          <a:solidFill>
+            <a:schemeClr val="tx1">
+              <a:lumMod val="65000"/>
+              <a:lumOff val="35000"/>
+            </a:schemeClr>
+          </a:solidFill>
+          <a:ln w="28575">
+            <a:solidFill>
+              <a:srgbClr val="3FCDFF"/>
+            </a:solidFill>
+          </a:ln>
+        </p:spPr>
+        <p:style>
+          <a:lnRef idx="2">
+            <a:schemeClr val="accent1">
+              <a:shade val="50000"/>
+            </a:schemeClr>
+          </a:lnRef>
+          <a:fillRef idx="1">
+            <a:schemeClr val="accent1"/>
+          </a:fillRef>
+          <a:effectRef idx="0">
+            <a:schemeClr val="accent1"/>
+          </a:effectRef>
+          <a:fontRef idx="minor">
+            <a:schemeClr val="lt1"/>
+          </a:fontRef>
+        </p:style>
+        <p:txBody>
+          <a:bodyPr rtlCol="0" anchor="ctr"/>
+          <a:lstStyle/>
+          <a:p>
+            <a:pPr algn="ctr"/>
+            <a:endParaRPr lang="de-DE" sz="3200" b="1" dirty="0">
+              <a:latin typeface="Arial Rounded MT Bold" panose="020F0704030504030204" pitchFamily="34" charset="0"/>
+            </a:endParaRPr>
+          </a:p>
+        </p:txBody>
+      </p:sp>
+      <p:sp>
+        <p:nvSpPr>
+          <p:cNvPr id="6" name="Rechteck 5"/>
+          <p:cNvSpPr/>
+          <p:nvPr/>
+        </p:nvSpPr>
+        <p:spPr>
+          <a:xfrm>
+            <a:off x="2174812" y="836712"/>
+            <a:ext cx="802626" cy="360040"/>
+          </a:xfrm>
+          <a:prstGeom prst="rect">
+            <a:avLst/>
+          </a:prstGeom>
+          <a:solidFill>
+            <a:schemeClr val="tx1">
+              <a:lumMod val="65000"/>
+              <a:lumOff val="35000"/>
+            </a:schemeClr>
+          </a:solidFill>
+          <a:ln w="28575">
+            <a:solidFill>
+              <a:srgbClr val="3FCDFF"/>
+            </a:solidFill>
+          </a:ln>
+        </p:spPr>
+        <p:style>
+          <a:lnRef idx="2">
+            <a:schemeClr val="accent1">
+              <a:shade val="50000"/>
+            </a:schemeClr>
+          </a:lnRef>
+          <a:fillRef idx="1">
+            <a:schemeClr val="accent1"/>
+          </a:fillRef>
+          <a:effectRef idx="0">
+            <a:schemeClr val="accent1"/>
+          </a:effectRef>
+          <a:fontRef idx="minor">
+            <a:schemeClr val="lt1"/>
+          </a:fontRef>
+        </p:style>
+        <p:txBody>
+          <a:bodyPr rtlCol="0" anchor="ctr"/>
+          <a:lstStyle/>
+          <a:p>
+            <a:pPr algn="ctr"/>
+            <a:endParaRPr lang="de-DE" sz="3200" b="1" dirty="0">
+              <a:latin typeface="Arial Rounded MT Bold" panose="020F0704030504030204" pitchFamily="34" charset="0"/>
+            </a:endParaRPr>
+          </a:p>
+        </p:txBody>
+      </p:sp>
+      <p:sp>
+        <p:nvSpPr>
+          <p:cNvPr id="7" name="Rechteck 6"/>
+          <p:cNvSpPr/>
+          <p:nvPr/>
+        </p:nvSpPr>
+        <p:spPr>
+          <a:xfrm>
+            <a:off x="2977438" y="836712"/>
+            <a:ext cx="802626" cy="360040"/>
+          </a:xfrm>
+          <a:prstGeom prst="rect">
+            <a:avLst/>
+          </a:prstGeom>
+          <a:solidFill>
+            <a:schemeClr val="tx1">
+              <a:lumMod val="65000"/>
+              <a:lumOff val="35000"/>
+            </a:schemeClr>
+          </a:solidFill>
+          <a:ln w="28575">
+            <a:solidFill>
+              <a:srgbClr val="3FCDFF"/>
+            </a:solidFill>
+          </a:ln>
+        </p:spPr>
+        <p:style>
+          <a:lnRef idx="2">
+            <a:schemeClr val="accent1">
+              <a:shade val="50000"/>
+            </a:schemeClr>
+          </a:lnRef>
+          <a:fillRef idx="1">
+            <a:schemeClr val="accent1"/>
+          </a:fillRef>
+          <a:effectRef idx="0">
+            <a:schemeClr val="accent1"/>
+          </a:effectRef>
+          <a:fontRef idx="minor">
+            <a:schemeClr val="lt1"/>
+          </a:fontRef>
+        </p:style>
+        <p:txBody>
+          <a:bodyPr rtlCol="0" anchor="ctr"/>
+          <a:lstStyle/>
+          <a:p>
+            <a:pPr algn="ctr"/>
+            <a:endParaRPr lang="de-DE" sz="3200" b="1" dirty="0">
+              <a:latin typeface="Arial Rounded MT Bold" panose="020F0704030504030204" pitchFamily="34" charset="0"/>
+            </a:endParaRPr>
+          </a:p>
+        </p:txBody>
+      </p:sp>
+      <p:sp>
+        <p:nvSpPr>
+          <p:cNvPr id="8" name="Rechteck 7"/>
+          <p:cNvSpPr/>
+          <p:nvPr/>
+        </p:nvSpPr>
+        <p:spPr>
+          <a:xfrm>
+            <a:off x="3815624" y="836712"/>
+            <a:ext cx="802626" cy="360040"/>
+          </a:xfrm>
+          <a:prstGeom prst="rect">
+            <a:avLst/>
+          </a:prstGeom>
+          <a:solidFill>
+            <a:schemeClr val="tx1">
+              <a:lumMod val="65000"/>
+              <a:lumOff val="35000"/>
+            </a:schemeClr>
+          </a:solidFill>
+          <a:ln w="28575">
+            <a:solidFill>
+              <a:srgbClr val="3FCDFF"/>
+            </a:solidFill>
+          </a:ln>
+        </p:spPr>
+        <p:style>
+          <a:lnRef idx="2">
+            <a:schemeClr val="accent1">
+              <a:shade val="50000"/>
+            </a:schemeClr>
+          </a:lnRef>
+          <a:fillRef idx="1">
+            <a:schemeClr val="accent1"/>
+          </a:fillRef>
+          <a:effectRef idx="0">
+            <a:schemeClr val="accent1"/>
+          </a:effectRef>
+          <a:fontRef idx="minor">
+            <a:schemeClr val="lt1"/>
+          </a:fontRef>
+        </p:style>
+        <p:txBody>
+          <a:bodyPr rtlCol="0" anchor="ctr"/>
+          <a:lstStyle/>
+          <a:p>
+            <a:pPr algn="ctr"/>
+            <a:endParaRPr lang="de-DE" sz="3200" b="1" dirty="0">
+              <a:latin typeface="Arial Rounded MT Bold" panose="020F0704030504030204" pitchFamily="34" charset="0"/>
+            </a:endParaRPr>
+          </a:p>
+        </p:txBody>
+      </p:sp>
+      <p:sp>
+        <p:nvSpPr>
+          <p:cNvPr id="9" name="Rechteck 8"/>
+          <p:cNvSpPr/>
+          <p:nvPr/>
+        </p:nvSpPr>
+        <p:spPr>
+          <a:xfrm>
+            <a:off x="4618250" y="836712"/>
+            <a:ext cx="802626" cy="360040"/>
+          </a:xfrm>
+          <a:prstGeom prst="rect">
+            <a:avLst/>
+          </a:prstGeom>
+          <a:solidFill>
+            <a:schemeClr val="tx1">
+              <a:lumMod val="65000"/>
+              <a:lumOff val="35000"/>
+            </a:schemeClr>
+          </a:solidFill>
+          <a:ln w="28575">
+            <a:solidFill>
+              <a:srgbClr val="3FCDFF"/>
+            </a:solidFill>
+          </a:ln>
+        </p:spPr>
+        <p:style>
+          <a:lnRef idx="2">
+            <a:schemeClr val="accent1">
+              <a:shade val="50000"/>
+            </a:schemeClr>
+          </a:lnRef>
+          <a:fillRef idx="1">
+            <a:schemeClr val="accent1"/>
+          </a:fillRef>
+          <a:effectRef idx="0">
+            <a:schemeClr val="accent1"/>
+          </a:effectRef>
+          <a:fontRef idx="minor">
+            <a:schemeClr val="lt1"/>
+          </a:fontRef>
+        </p:style>
+        <p:txBody>
+          <a:bodyPr rtlCol="0" anchor="ctr"/>
+          <a:lstStyle/>
+          <a:p>
+            <a:pPr algn="ctr"/>
+            <a:endParaRPr lang="de-DE" sz="3200" b="1" dirty="0">
+              <a:latin typeface="Arial Rounded MT Bold" panose="020F0704030504030204" pitchFamily="34" charset="0"/>
+            </a:endParaRPr>
+          </a:p>
+        </p:txBody>
+      </p:sp>
+      <p:sp>
+        <p:nvSpPr>
+          <p:cNvPr id="10" name="Rechteck 9"/>
+          <p:cNvSpPr/>
+          <p:nvPr/>
+        </p:nvSpPr>
+        <p:spPr>
+          <a:xfrm>
+            <a:off x="1331640" y="1268760"/>
+            <a:ext cx="4089236" cy="3528392"/>
+          </a:xfrm>
+          <a:prstGeom prst="rect">
+            <a:avLst/>
+          </a:prstGeom>
+          <a:solidFill>
+            <a:schemeClr val="bg1"/>
+          </a:solidFill>
+        </p:spPr>
+        <p:style>
+          <a:lnRef idx="2">
+            <a:schemeClr val="accent1">
+              <a:shade val="50000"/>
+            </a:schemeClr>
+          </a:lnRef>
+          <a:fillRef idx="1">
+            <a:schemeClr val="accent1"/>
+          </a:fillRef>
+          <a:effectRef idx="0">
+            <a:schemeClr val="accent1"/>
+          </a:effectRef>
+          <a:fontRef idx="minor">
+            <a:schemeClr val="lt1"/>
+          </a:fontRef>
+        </p:style>
+        <p:txBody>
+          <a:bodyPr rtlCol="0" anchor="ctr"/>
+          <a:lstStyle/>
+          <a:p>
+            <a:pPr algn="ctr"/>
+            <a:endParaRPr lang="de-DE"/>
+          </a:p>
+        </p:txBody>
+      </p:sp>
+      <p:sp>
+        <p:nvSpPr>
+          <p:cNvPr id="11" name="Rechteck 10"/>
+          <p:cNvSpPr/>
+          <p:nvPr/>
+        </p:nvSpPr>
+        <p:spPr>
+          <a:xfrm>
+            <a:off x="1331640" y="4869160"/>
+            <a:ext cx="936104" cy="360040"/>
+          </a:xfrm>
+          <a:prstGeom prst="rect">
+            <a:avLst/>
+          </a:prstGeom>
+          <a:solidFill>
+            <a:schemeClr val="tx1">
+              <a:lumMod val="65000"/>
+              <a:lumOff val="35000"/>
+            </a:schemeClr>
+          </a:solidFill>
+          <a:ln w="28575">
+            <a:solidFill>
+              <a:srgbClr val="3FCDFF"/>
+            </a:solidFill>
+          </a:ln>
+        </p:spPr>
+        <p:style>
+          <a:lnRef idx="2">
+            <a:schemeClr val="accent1">
+              <a:shade val="50000"/>
+            </a:schemeClr>
+          </a:lnRef>
+          <a:fillRef idx="1">
+            <a:schemeClr val="accent1"/>
+          </a:fillRef>
+          <a:effectRef idx="0">
+            <a:schemeClr val="accent1"/>
+          </a:effectRef>
+          <a:fontRef idx="minor">
+            <a:schemeClr val="lt1"/>
+          </a:fontRef>
+        </p:style>
+        <p:txBody>
+          <a:bodyPr rtlCol="0" anchor="ctr"/>
+          <a:lstStyle/>
+          <a:p>
+            <a:pPr algn="ctr"/>
+            <a:endParaRPr lang="de-DE" sz="3200" b="1" dirty="0">
+              <a:latin typeface="Arial Rounded MT Bold" panose="020F0704030504030204" pitchFamily="34" charset="0"/>
+            </a:endParaRPr>
+          </a:p>
+        </p:txBody>
+      </p:sp>
+      <p:sp>
+        <p:nvSpPr>
+          <p:cNvPr id="12" name="Rechteck 11"/>
+          <p:cNvSpPr/>
+          <p:nvPr/>
+        </p:nvSpPr>
+        <p:spPr>
+          <a:xfrm>
+            <a:off x="4499992" y="4941168"/>
+            <a:ext cx="920884" cy="360040"/>
+          </a:xfrm>
+          <a:prstGeom prst="rect">
+            <a:avLst/>
+          </a:prstGeom>
+          <a:solidFill>
+            <a:schemeClr val="tx1">
+              <a:lumMod val="65000"/>
+              <a:lumOff val="35000"/>
+            </a:schemeClr>
+          </a:solidFill>
+          <a:ln w="28575">
+            <a:solidFill>
+              <a:srgbClr val="3FCDFF"/>
+            </a:solidFill>
+          </a:ln>
+        </p:spPr>
+        <p:style>
+          <a:lnRef idx="2">
+            <a:schemeClr val="accent1">
+              <a:shade val="50000"/>
+            </a:schemeClr>
+          </a:lnRef>
+          <a:fillRef idx="1">
+            <a:schemeClr val="accent1"/>
+          </a:fillRef>
+          <a:effectRef idx="0">
+            <a:schemeClr val="accent1"/>
+          </a:effectRef>
+          <a:fontRef idx="minor">
+            <a:schemeClr val="lt1"/>
+          </a:fontRef>
+        </p:style>
+        <p:txBody>
+          <a:bodyPr rtlCol="0" anchor="ctr"/>
+          <a:lstStyle/>
+          <a:p>
+            <a:pPr algn="ctr"/>
+            <a:endParaRPr lang="de-DE" sz="3200" b="1" dirty="0">
+              <a:latin typeface="Arial Rounded MT Bold" panose="020F0704030504030204" pitchFamily="34" charset="0"/>
+            </a:endParaRPr>
+          </a:p>
+        </p:txBody>
+      </p:sp>
+    </p:spTree>
+    <p:extLst>
+      <p:ext uri="{BB962C8B-B14F-4D97-AF65-F5344CB8AC3E}">
+        <p14:creationId xmlns:p14="http://schemas.microsoft.com/office/powerpoint/2010/main" val="4248902587"/>
       </p:ext>
     </p:extLst>
   </p:cSld>

--- a/Buttons.pptx
+++ b/Buttons.pptx
@@ -105,6 +105,22 @@
       </a:defRPr>
     </a:lvl9pPr>
   </p:defaultTextStyle>
+  <p:extLst>
+    <p:ext uri="{EFAFB233-063F-42B5-8137-9DF3F51BA10A}">
+      <p15:sldGuideLst xmlns:p15="http://schemas.microsoft.com/office/powerpoint/2012/main">
+        <p15:guide id="1" orient="horz" pos="2160">
+          <p15:clr>
+            <a:srgbClr val="A4A3A4"/>
+          </p15:clr>
+        </p15:guide>
+        <p15:guide id="2" pos="2880">
+          <p15:clr>
+            <a:srgbClr val="A4A3A4"/>
+          </p15:clr>
+        </p15:guide>
+      </p15:sldGuideLst>
+    </p:ext>
+  </p:extLst>
 </p:presentation>
 </file>
 
@@ -146,10 +162,9 @@
           <a:lstStyle/>
           <a:p>
             <a:r>
-              <a:rPr lang="de-DE" smtClean="0"/>
+              <a:rPr lang="de-DE"/>
               <a:t>Titelmasterformat durch Klicken bearbeiten</a:t>
             </a:r>
-            <a:endParaRPr lang="de-DE"/>
           </a:p>
         </p:txBody>
       </p:sp>
@@ -265,10 +280,9 @@
           </a:lstStyle>
           <a:p>
             <a:r>
-              <a:rPr lang="de-DE" smtClean="0"/>
+              <a:rPr lang="de-DE"/>
               <a:t>Formatvorlage des Untertitelmasters durch Klicken bearbeiten</a:t>
             </a:r>
-            <a:endParaRPr lang="de-DE"/>
           </a:p>
         </p:txBody>
       </p:sp>
@@ -289,7 +303,7 @@
           <a:p>
             <a:fld id="{84BADF00-34E4-42BB-AA00-2CB9441AFC63}" type="datetimeFigureOut">
               <a:rPr lang="de-DE" smtClean="0"/>
-              <a:t>12.11.2019</a:t>
+              <a:t>16.02.2020</a:t>
             </a:fld>
             <a:endParaRPr lang="de-DE"/>
           </a:p>
@@ -383,10 +397,9 @@
           <a:lstStyle/>
           <a:p>
             <a:r>
-              <a:rPr lang="de-DE" smtClean="0"/>
+              <a:rPr lang="de-DE"/>
               <a:t>Titelmasterformat durch Klicken bearbeiten</a:t>
             </a:r>
-            <a:endParaRPr lang="de-DE"/>
           </a:p>
         </p:txBody>
       </p:sp>
@@ -407,38 +420,37 @@
           <a:p>
             <a:pPr lvl="0"/>
             <a:r>
-              <a:rPr lang="de-DE" smtClean="0"/>
+              <a:rPr lang="de-DE"/>
               <a:t>Textmasterformat bearbeiten</a:t>
             </a:r>
           </a:p>
           <a:p>
             <a:pPr lvl="1"/>
             <a:r>
-              <a:rPr lang="de-DE" smtClean="0"/>
+              <a:rPr lang="de-DE"/>
               <a:t>Zweite Ebene</a:t>
             </a:r>
           </a:p>
           <a:p>
             <a:pPr lvl="2"/>
             <a:r>
-              <a:rPr lang="de-DE" smtClean="0"/>
+              <a:rPr lang="de-DE"/>
               <a:t>Dritte Ebene</a:t>
             </a:r>
           </a:p>
           <a:p>
             <a:pPr lvl="3"/>
             <a:r>
-              <a:rPr lang="de-DE" smtClean="0"/>
+              <a:rPr lang="de-DE"/>
               <a:t>Vierte Ebene</a:t>
             </a:r>
           </a:p>
           <a:p>
             <a:pPr lvl="4"/>
             <a:r>
-              <a:rPr lang="de-DE" smtClean="0"/>
+              <a:rPr lang="de-DE"/>
               <a:t>Fünfte Ebene</a:t>
             </a:r>
-            <a:endParaRPr lang="de-DE"/>
           </a:p>
         </p:txBody>
       </p:sp>
@@ -459,7 +471,7 @@
           <a:p>
             <a:fld id="{84BADF00-34E4-42BB-AA00-2CB9441AFC63}" type="datetimeFigureOut">
               <a:rPr lang="de-DE" smtClean="0"/>
-              <a:t>12.11.2019</a:t>
+              <a:t>16.02.2020</a:t>
             </a:fld>
             <a:endParaRPr lang="de-DE"/>
           </a:p>
@@ -558,10 +570,9 @@
           <a:lstStyle/>
           <a:p>
             <a:r>
-              <a:rPr lang="de-DE" smtClean="0"/>
+              <a:rPr lang="de-DE"/>
               <a:t>Titelmasterformat durch Klicken bearbeiten</a:t>
             </a:r>
-            <a:endParaRPr lang="de-DE"/>
           </a:p>
         </p:txBody>
       </p:sp>
@@ -587,38 +598,37 @@
           <a:p>
             <a:pPr lvl="0"/>
             <a:r>
-              <a:rPr lang="de-DE" smtClean="0"/>
+              <a:rPr lang="de-DE"/>
               <a:t>Textmasterformat bearbeiten</a:t>
             </a:r>
           </a:p>
           <a:p>
             <a:pPr lvl="1"/>
             <a:r>
-              <a:rPr lang="de-DE" smtClean="0"/>
+              <a:rPr lang="de-DE"/>
               <a:t>Zweite Ebene</a:t>
             </a:r>
           </a:p>
           <a:p>
             <a:pPr lvl="2"/>
             <a:r>
-              <a:rPr lang="de-DE" smtClean="0"/>
+              <a:rPr lang="de-DE"/>
               <a:t>Dritte Ebene</a:t>
             </a:r>
           </a:p>
           <a:p>
             <a:pPr lvl="3"/>
             <a:r>
-              <a:rPr lang="de-DE" smtClean="0"/>
+              <a:rPr lang="de-DE"/>
               <a:t>Vierte Ebene</a:t>
             </a:r>
           </a:p>
           <a:p>
             <a:pPr lvl="4"/>
             <a:r>
-              <a:rPr lang="de-DE" smtClean="0"/>
+              <a:rPr lang="de-DE"/>
               <a:t>Fünfte Ebene</a:t>
             </a:r>
-            <a:endParaRPr lang="de-DE"/>
           </a:p>
         </p:txBody>
       </p:sp>
@@ -639,7 +649,7 @@
           <a:p>
             <a:fld id="{84BADF00-34E4-42BB-AA00-2CB9441AFC63}" type="datetimeFigureOut">
               <a:rPr lang="de-DE" smtClean="0"/>
-              <a:t>12.11.2019</a:t>
+              <a:t>16.02.2020</a:t>
             </a:fld>
             <a:endParaRPr lang="de-DE"/>
           </a:p>
@@ -733,10 +743,9 @@
           <a:lstStyle/>
           <a:p>
             <a:r>
-              <a:rPr lang="de-DE" smtClean="0"/>
+              <a:rPr lang="de-DE"/>
               <a:t>Titelmasterformat durch Klicken bearbeiten</a:t>
             </a:r>
-            <a:endParaRPr lang="de-DE"/>
           </a:p>
         </p:txBody>
       </p:sp>
@@ -757,38 +766,37 @@
           <a:p>
             <a:pPr lvl="0"/>
             <a:r>
-              <a:rPr lang="de-DE" smtClean="0"/>
+              <a:rPr lang="de-DE"/>
               <a:t>Textmasterformat bearbeiten</a:t>
             </a:r>
           </a:p>
           <a:p>
             <a:pPr lvl="1"/>
             <a:r>
-              <a:rPr lang="de-DE" smtClean="0"/>
+              <a:rPr lang="de-DE"/>
               <a:t>Zweite Ebene</a:t>
             </a:r>
           </a:p>
           <a:p>
             <a:pPr lvl="2"/>
             <a:r>
-              <a:rPr lang="de-DE" smtClean="0"/>
+              <a:rPr lang="de-DE"/>
               <a:t>Dritte Ebene</a:t>
             </a:r>
           </a:p>
           <a:p>
             <a:pPr lvl="3"/>
             <a:r>
-              <a:rPr lang="de-DE" smtClean="0"/>
+              <a:rPr lang="de-DE"/>
               <a:t>Vierte Ebene</a:t>
             </a:r>
           </a:p>
           <a:p>
             <a:pPr lvl="4"/>
             <a:r>
-              <a:rPr lang="de-DE" smtClean="0"/>
+              <a:rPr lang="de-DE"/>
               <a:t>Fünfte Ebene</a:t>
             </a:r>
-            <a:endParaRPr lang="de-DE"/>
           </a:p>
         </p:txBody>
       </p:sp>
@@ -809,7 +817,7 @@
           <a:p>
             <a:fld id="{84BADF00-34E4-42BB-AA00-2CB9441AFC63}" type="datetimeFigureOut">
               <a:rPr lang="de-DE" smtClean="0"/>
-              <a:t>12.11.2019</a:t>
+              <a:t>16.02.2020</a:t>
             </a:fld>
             <a:endParaRPr lang="de-DE"/>
           </a:p>
@@ -912,10 +920,9 @@
           </a:lstStyle>
           <a:p>
             <a:r>
-              <a:rPr lang="de-DE" smtClean="0"/>
+              <a:rPr lang="de-DE"/>
               <a:t>Titelmasterformat durch Klicken bearbeiten</a:t>
             </a:r>
-            <a:endParaRPr lang="de-DE"/>
           </a:p>
         </p:txBody>
       </p:sp>
@@ -1032,7 +1039,7 @@
           <a:p>
             <a:pPr lvl="0"/>
             <a:r>
-              <a:rPr lang="de-DE" smtClean="0"/>
+              <a:rPr lang="de-DE"/>
               <a:t>Textmasterformat bearbeiten</a:t>
             </a:r>
           </a:p>
@@ -1055,7 +1062,7 @@
           <a:p>
             <a:fld id="{84BADF00-34E4-42BB-AA00-2CB9441AFC63}" type="datetimeFigureOut">
               <a:rPr lang="de-DE" smtClean="0"/>
-              <a:t>12.11.2019</a:t>
+              <a:t>16.02.2020</a:t>
             </a:fld>
             <a:endParaRPr lang="de-DE"/>
           </a:p>
@@ -1149,10 +1156,9 @@
           <a:lstStyle/>
           <a:p>
             <a:r>
-              <a:rPr lang="de-DE" smtClean="0"/>
+              <a:rPr lang="de-DE"/>
               <a:t>Titelmasterformat durch Klicken bearbeiten</a:t>
             </a:r>
-            <a:endParaRPr lang="de-DE"/>
           </a:p>
         </p:txBody>
       </p:sp>
@@ -1206,38 +1212,37 @@
           <a:p>
             <a:pPr lvl="0"/>
             <a:r>
-              <a:rPr lang="de-DE" smtClean="0"/>
+              <a:rPr lang="de-DE"/>
               <a:t>Textmasterformat bearbeiten</a:t>
             </a:r>
           </a:p>
           <a:p>
             <a:pPr lvl="1"/>
             <a:r>
-              <a:rPr lang="de-DE" smtClean="0"/>
+              <a:rPr lang="de-DE"/>
               <a:t>Zweite Ebene</a:t>
             </a:r>
           </a:p>
           <a:p>
             <a:pPr lvl="2"/>
             <a:r>
-              <a:rPr lang="de-DE" smtClean="0"/>
+              <a:rPr lang="de-DE"/>
               <a:t>Dritte Ebene</a:t>
             </a:r>
           </a:p>
           <a:p>
             <a:pPr lvl="3"/>
             <a:r>
-              <a:rPr lang="de-DE" smtClean="0"/>
+              <a:rPr lang="de-DE"/>
               <a:t>Vierte Ebene</a:t>
             </a:r>
           </a:p>
           <a:p>
             <a:pPr lvl="4"/>
             <a:r>
-              <a:rPr lang="de-DE" smtClean="0"/>
+              <a:rPr lang="de-DE"/>
               <a:t>Fünfte Ebene</a:t>
             </a:r>
-            <a:endParaRPr lang="de-DE"/>
           </a:p>
         </p:txBody>
       </p:sp>
@@ -1291,38 +1296,37 @@
           <a:p>
             <a:pPr lvl="0"/>
             <a:r>
-              <a:rPr lang="de-DE" smtClean="0"/>
+              <a:rPr lang="de-DE"/>
               <a:t>Textmasterformat bearbeiten</a:t>
             </a:r>
           </a:p>
           <a:p>
             <a:pPr lvl="1"/>
             <a:r>
-              <a:rPr lang="de-DE" smtClean="0"/>
+              <a:rPr lang="de-DE"/>
               <a:t>Zweite Ebene</a:t>
             </a:r>
           </a:p>
           <a:p>
             <a:pPr lvl="2"/>
             <a:r>
-              <a:rPr lang="de-DE" smtClean="0"/>
+              <a:rPr lang="de-DE"/>
               <a:t>Dritte Ebene</a:t>
             </a:r>
           </a:p>
           <a:p>
             <a:pPr lvl="3"/>
             <a:r>
-              <a:rPr lang="de-DE" smtClean="0"/>
+              <a:rPr lang="de-DE"/>
               <a:t>Vierte Ebene</a:t>
             </a:r>
           </a:p>
           <a:p>
             <a:pPr lvl="4"/>
             <a:r>
-              <a:rPr lang="de-DE" smtClean="0"/>
+              <a:rPr lang="de-DE"/>
               <a:t>Fünfte Ebene</a:t>
             </a:r>
-            <a:endParaRPr lang="de-DE"/>
           </a:p>
         </p:txBody>
       </p:sp>
@@ -1343,7 +1347,7 @@
           <a:p>
             <a:fld id="{84BADF00-34E4-42BB-AA00-2CB9441AFC63}" type="datetimeFigureOut">
               <a:rPr lang="de-DE" smtClean="0"/>
-              <a:t>12.11.2019</a:t>
+              <a:t>16.02.2020</a:t>
             </a:fld>
             <a:endParaRPr lang="de-DE"/>
           </a:p>
@@ -1441,10 +1445,9 @@
           </a:lstStyle>
           <a:p>
             <a:r>
-              <a:rPr lang="de-DE" smtClean="0"/>
+              <a:rPr lang="de-DE"/>
               <a:t>Titelmasterformat durch Klicken bearbeiten</a:t>
             </a:r>
-            <a:endParaRPr lang="de-DE"/>
           </a:p>
         </p:txBody>
       </p:sp>
@@ -1507,7 +1510,7 @@
           <a:p>
             <a:pPr lvl="0"/>
             <a:r>
-              <a:rPr lang="de-DE" smtClean="0"/>
+              <a:rPr lang="de-DE"/>
               <a:t>Textmasterformat bearbeiten</a:t>
             </a:r>
           </a:p>
@@ -1563,38 +1566,37 @@
           <a:p>
             <a:pPr lvl="0"/>
             <a:r>
-              <a:rPr lang="de-DE" smtClean="0"/>
+              <a:rPr lang="de-DE"/>
               <a:t>Textmasterformat bearbeiten</a:t>
             </a:r>
           </a:p>
           <a:p>
             <a:pPr lvl="1"/>
             <a:r>
-              <a:rPr lang="de-DE" smtClean="0"/>
+              <a:rPr lang="de-DE"/>
               <a:t>Zweite Ebene</a:t>
             </a:r>
           </a:p>
           <a:p>
             <a:pPr lvl="2"/>
             <a:r>
-              <a:rPr lang="de-DE" smtClean="0"/>
+              <a:rPr lang="de-DE"/>
               <a:t>Dritte Ebene</a:t>
             </a:r>
           </a:p>
           <a:p>
             <a:pPr lvl="3"/>
             <a:r>
-              <a:rPr lang="de-DE" smtClean="0"/>
+              <a:rPr lang="de-DE"/>
               <a:t>Vierte Ebene</a:t>
             </a:r>
           </a:p>
           <a:p>
             <a:pPr lvl="4"/>
             <a:r>
-              <a:rPr lang="de-DE" smtClean="0"/>
+              <a:rPr lang="de-DE"/>
               <a:t>Fünfte Ebene</a:t>
             </a:r>
-            <a:endParaRPr lang="de-DE"/>
           </a:p>
         </p:txBody>
       </p:sp>
@@ -1657,7 +1659,7 @@
           <a:p>
             <a:pPr lvl="0"/>
             <a:r>
-              <a:rPr lang="de-DE" smtClean="0"/>
+              <a:rPr lang="de-DE"/>
               <a:t>Textmasterformat bearbeiten</a:t>
             </a:r>
           </a:p>
@@ -1713,38 +1715,37 @@
           <a:p>
             <a:pPr lvl="0"/>
             <a:r>
-              <a:rPr lang="de-DE" smtClean="0"/>
+              <a:rPr lang="de-DE"/>
               <a:t>Textmasterformat bearbeiten</a:t>
             </a:r>
           </a:p>
           <a:p>
             <a:pPr lvl="1"/>
             <a:r>
-              <a:rPr lang="de-DE" smtClean="0"/>
+              <a:rPr lang="de-DE"/>
               <a:t>Zweite Ebene</a:t>
             </a:r>
           </a:p>
           <a:p>
             <a:pPr lvl="2"/>
             <a:r>
-              <a:rPr lang="de-DE" smtClean="0"/>
+              <a:rPr lang="de-DE"/>
               <a:t>Dritte Ebene</a:t>
             </a:r>
           </a:p>
           <a:p>
             <a:pPr lvl="3"/>
             <a:r>
-              <a:rPr lang="de-DE" smtClean="0"/>
+              <a:rPr lang="de-DE"/>
               <a:t>Vierte Ebene</a:t>
             </a:r>
           </a:p>
           <a:p>
             <a:pPr lvl="4"/>
             <a:r>
-              <a:rPr lang="de-DE" smtClean="0"/>
+              <a:rPr lang="de-DE"/>
               <a:t>Fünfte Ebene</a:t>
             </a:r>
-            <a:endParaRPr lang="de-DE"/>
           </a:p>
         </p:txBody>
       </p:sp>
@@ -1765,7 +1766,7 @@
           <a:p>
             <a:fld id="{84BADF00-34E4-42BB-AA00-2CB9441AFC63}" type="datetimeFigureOut">
               <a:rPr lang="de-DE" smtClean="0"/>
-              <a:t>12.11.2019</a:t>
+              <a:t>16.02.2020</a:t>
             </a:fld>
             <a:endParaRPr lang="de-DE"/>
           </a:p>
@@ -1859,10 +1860,9 @@
           <a:lstStyle/>
           <a:p>
             <a:r>
-              <a:rPr lang="de-DE" smtClean="0"/>
+              <a:rPr lang="de-DE"/>
               <a:t>Titelmasterformat durch Klicken bearbeiten</a:t>
             </a:r>
-            <a:endParaRPr lang="de-DE"/>
           </a:p>
         </p:txBody>
       </p:sp>
@@ -1883,7 +1883,7 @@
           <a:p>
             <a:fld id="{84BADF00-34E4-42BB-AA00-2CB9441AFC63}" type="datetimeFigureOut">
               <a:rPr lang="de-DE" smtClean="0"/>
-              <a:t>12.11.2019</a:t>
+              <a:t>16.02.2020</a:t>
             </a:fld>
             <a:endParaRPr lang="de-DE"/>
           </a:p>
@@ -1978,7 +1978,7 @@
           <a:p>
             <a:fld id="{84BADF00-34E4-42BB-AA00-2CB9441AFC63}" type="datetimeFigureOut">
               <a:rPr lang="de-DE" smtClean="0"/>
-              <a:t>12.11.2019</a:t>
+              <a:t>16.02.2020</a:t>
             </a:fld>
             <a:endParaRPr lang="de-DE"/>
           </a:p>
@@ -2081,10 +2081,9 @@
           </a:lstStyle>
           <a:p>
             <a:r>
-              <a:rPr lang="de-DE" smtClean="0"/>
+              <a:rPr lang="de-DE"/>
               <a:t>Titelmasterformat durch Klicken bearbeiten</a:t>
             </a:r>
-            <a:endParaRPr lang="de-DE"/>
           </a:p>
         </p:txBody>
       </p:sp>
@@ -2138,38 +2137,37 @@
           <a:p>
             <a:pPr lvl="0"/>
             <a:r>
-              <a:rPr lang="de-DE" smtClean="0"/>
+              <a:rPr lang="de-DE"/>
               <a:t>Textmasterformat bearbeiten</a:t>
             </a:r>
           </a:p>
           <a:p>
             <a:pPr lvl="1"/>
             <a:r>
-              <a:rPr lang="de-DE" smtClean="0"/>
+              <a:rPr lang="de-DE"/>
               <a:t>Zweite Ebene</a:t>
             </a:r>
           </a:p>
           <a:p>
             <a:pPr lvl="2"/>
             <a:r>
-              <a:rPr lang="de-DE" smtClean="0"/>
+              <a:rPr lang="de-DE"/>
               <a:t>Dritte Ebene</a:t>
             </a:r>
           </a:p>
           <a:p>
             <a:pPr lvl="3"/>
             <a:r>
-              <a:rPr lang="de-DE" smtClean="0"/>
+              <a:rPr lang="de-DE"/>
               <a:t>Vierte Ebene</a:t>
             </a:r>
           </a:p>
           <a:p>
             <a:pPr lvl="4"/>
             <a:r>
-              <a:rPr lang="de-DE" smtClean="0"/>
+              <a:rPr lang="de-DE"/>
               <a:t>Fünfte Ebene</a:t>
             </a:r>
-            <a:endParaRPr lang="de-DE"/>
           </a:p>
         </p:txBody>
       </p:sp>
@@ -2232,7 +2230,7 @@
           <a:p>
             <a:pPr lvl="0"/>
             <a:r>
-              <a:rPr lang="de-DE" smtClean="0"/>
+              <a:rPr lang="de-DE"/>
               <a:t>Textmasterformat bearbeiten</a:t>
             </a:r>
           </a:p>
@@ -2255,7 +2253,7 @@
           <a:p>
             <a:fld id="{84BADF00-34E4-42BB-AA00-2CB9441AFC63}" type="datetimeFigureOut">
               <a:rPr lang="de-DE" smtClean="0"/>
-              <a:t>12.11.2019</a:t>
+              <a:t>16.02.2020</a:t>
             </a:fld>
             <a:endParaRPr lang="de-DE"/>
           </a:p>
@@ -2358,10 +2356,9 @@
           </a:lstStyle>
           <a:p>
             <a:r>
-              <a:rPr lang="de-DE" smtClean="0"/>
+              <a:rPr lang="de-DE"/>
               <a:t>Titelmasterformat durch Klicken bearbeiten</a:t>
             </a:r>
-            <a:endParaRPr lang="de-DE"/>
           </a:p>
         </p:txBody>
       </p:sp>
@@ -2485,7 +2482,7 @@
           <a:p>
             <a:pPr lvl="0"/>
             <a:r>
-              <a:rPr lang="de-DE" smtClean="0"/>
+              <a:rPr lang="de-DE"/>
               <a:t>Textmasterformat bearbeiten</a:t>
             </a:r>
           </a:p>
@@ -2508,7 +2505,7 @@
           <a:p>
             <a:fld id="{84BADF00-34E4-42BB-AA00-2CB9441AFC63}" type="datetimeFigureOut">
               <a:rPr lang="de-DE" smtClean="0"/>
-              <a:t>12.11.2019</a:t>
+              <a:t>16.02.2020</a:t>
             </a:fld>
             <a:endParaRPr lang="de-DE"/>
           </a:p>
@@ -2617,10 +2614,9 @@
           <a:lstStyle/>
           <a:p>
             <a:r>
-              <a:rPr lang="de-DE" smtClean="0"/>
+              <a:rPr lang="de-DE"/>
               <a:t>Titelmasterformat durch Klicken bearbeiten</a:t>
             </a:r>
-            <a:endParaRPr lang="de-DE"/>
           </a:p>
         </p:txBody>
       </p:sp>
@@ -2651,38 +2647,37 @@
           <a:p>
             <a:pPr lvl="0"/>
             <a:r>
-              <a:rPr lang="de-DE" smtClean="0"/>
+              <a:rPr lang="de-DE"/>
               <a:t>Textmasterformat bearbeiten</a:t>
             </a:r>
           </a:p>
           <a:p>
             <a:pPr lvl="1"/>
             <a:r>
-              <a:rPr lang="de-DE" smtClean="0"/>
+              <a:rPr lang="de-DE"/>
               <a:t>Zweite Ebene</a:t>
             </a:r>
           </a:p>
           <a:p>
             <a:pPr lvl="2"/>
             <a:r>
-              <a:rPr lang="de-DE" smtClean="0"/>
+              <a:rPr lang="de-DE"/>
               <a:t>Dritte Ebene</a:t>
             </a:r>
           </a:p>
           <a:p>
             <a:pPr lvl="3"/>
             <a:r>
-              <a:rPr lang="de-DE" smtClean="0"/>
+              <a:rPr lang="de-DE"/>
               <a:t>Vierte Ebene</a:t>
             </a:r>
           </a:p>
           <a:p>
             <a:pPr lvl="4"/>
             <a:r>
-              <a:rPr lang="de-DE" smtClean="0"/>
+              <a:rPr lang="de-DE"/>
               <a:t>Fünfte Ebene</a:t>
             </a:r>
-            <a:endParaRPr lang="de-DE"/>
           </a:p>
         </p:txBody>
       </p:sp>
@@ -2721,7 +2716,7 @@
           <a:p>
             <a:fld id="{84BADF00-34E4-42BB-AA00-2CB9441AFC63}" type="datetimeFigureOut">
               <a:rPr lang="de-DE" smtClean="0"/>
-              <a:t>12.11.2019</a:t>
+              <a:t>16.02.2020</a:t>
             </a:fld>
             <a:endParaRPr lang="de-DE"/>
           </a:p>
@@ -3115,7 +3110,59 @@
           </a:solidFill>
           <a:ln w="127000">
             <a:solidFill>
-              <a:srgbClr val="3FCDFF"/>
+              <a:srgbClr val="0070C0"/>
+            </a:solidFill>
+          </a:ln>
+          <a:effectLst/>
+        </p:spPr>
+        <p:style>
+          <a:lnRef idx="2">
+            <a:schemeClr val="accent1">
+              <a:shade val="50000"/>
+            </a:schemeClr>
+          </a:lnRef>
+          <a:fillRef idx="1">
+            <a:schemeClr val="accent1"/>
+          </a:fillRef>
+          <a:effectRef idx="0">
+            <a:schemeClr val="accent1"/>
+          </a:effectRef>
+          <a:fontRef idx="minor">
+            <a:schemeClr val="lt1"/>
+          </a:fontRef>
+        </p:style>
+        <p:txBody>
+          <a:bodyPr rtlCol="0" anchor="ctr"/>
+          <a:lstStyle/>
+          <a:p>
+            <a:pPr algn="ctr"/>
+            <a:endParaRPr lang="de-DE"/>
+          </a:p>
+        </p:txBody>
+      </p:sp>
+      <p:sp>
+        <p:nvSpPr>
+          <p:cNvPr id="4" name="Ellipse 3"/>
+          <p:cNvSpPr/>
+          <p:nvPr/>
+        </p:nvSpPr>
+        <p:spPr>
+          <a:xfrm>
+            <a:off x="2663668" y="944604"/>
+            <a:ext cx="1944216" cy="1944216"/>
+          </a:xfrm>
+          <a:prstGeom prst="ellipse">
+            <a:avLst/>
+          </a:prstGeom>
+          <a:solidFill>
+            <a:srgbClr val="E5E5E5"/>
+          </a:solidFill>
+          <a:ln w="133350">
+            <a:solidFill>
+              <a:schemeClr val="tx1">
+                <a:lumMod val="65000"/>
+                <a:lumOff val="35000"/>
+              </a:schemeClr>
             </a:solidFill>
           </a:ln>
           <a:effectLst>
@@ -3125,11 +3172,6 @@
                 <a:alpha val="40000"/>
               </a:schemeClr>
             </a:glow>
-            <a:innerShdw blurRad="63500" dist="50800" dir="18900000">
-              <a:prstClr val="black">
-                <a:alpha val="50000"/>
-              </a:prstClr>
-            </a:innerShdw>
           </a:effectLst>
         </p:spPr>
         <p:style>
@@ -3159,45 +3201,31 @@
       </p:sp>
       <p:sp>
         <p:nvSpPr>
-          <p:cNvPr id="4" name="Ellipse 3"/>
+          <p:cNvPr id="5" name="Rechteck 4"/>
           <p:cNvSpPr/>
           <p:nvPr/>
         </p:nvSpPr>
         <p:spPr>
           <a:xfrm>
-            <a:off x="2663668" y="944604"/>
-            <a:ext cx="1944216" cy="1944216"/>
+            <a:off x="2987776" y="1412776"/>
+            <a:ext cx="1296000" cy="180000"/>
           </a:xfrm>
-          <a:prstGeom prst="ellipse">
+          <a:prstGeom prst="rect">
             <a:avLst/>
           </a:prstGeom>
           <a:solidFill>
             <a:schemeClr val="tx1">
-              <a:lumMod val="50000"/>
-              <a:lumOff val="50000"/>
+              <a:lumMod val="65000"/>
+              <a:lumOff val="35000"/>
             </a:schemeClr>
           </a:solidFill>
-          <a:ln w="133350">
+          <a:ln w="38100" cmpd="sng">
             <a:solidFill>
-              <a:schemeClr val="tx1">
-                <a:lumMod val="65000"/>
-                <a:lumOff val="35000"/>
-              </a:schemeClr>
+              <a:srgbClr val="E5E5E5"/>
             </a:solidFill>
+            <a:prstDash val="solid"/>
           </a:ln>
-          <a:effectLst>
-            <a:glow rad="101600">
-              <a:schemeClr val="accent1">
-                <a:satMod val="175000"/>
-                <a:alpha val="40000"/>
-              </a:schemeClr>
-            </a:glow>
-            <a:innerShdw blurRad="63500" dist="50800" dir="18900000">
-              <a:prstClr val="black">
-                <a:alpha val="50000"/>
-              </a:prstClr>
-            </a:innerShdw>
-          </a:effectLst>
+          <a:effectLst/>
         </p:spPr>
         <p:style>
           <a:lnRef idx="2">
@@ -3226,13 +3254,13 @@
       </p:sp>
       <p:sp>
         <p:nvSpPr>
-          <p:cNvPr id="5" name="Rechteck 4"/>
+          <p:cNvPr id="6" name="Rechteck 5"/>
           <p:cNvSpPr/>
           <p:nvPr/>
         </p:nvSpPr>
         <p:spPr>
           <a:xfrm>
-            <a:off x="2987776" y="1412776"/>
+            <a:off x="2987776" y="1826712"/>
             <a:ext cx="1296000" cy="180000"/>
           </a:xfrm>
           <a:prstGeom prst="rect">
@@ -3246,23 +3274,11 @@
           </a:solidFill>
           <a:ln w="38100" cmpd="sng">
             <a:solidFill>
-              <a:srgbClr val="3FCDFF"/>
+              <a:srgbClr val="E5E5E5"/>
             </a:solidFill>
             <a:prstDash val="solid"/>
           </a:ln>
-          <a:effectLst>
-            <a:glow rad="101600">
-              <a:schemeClr val="accent1">
-                <a:satMod val="175000"/>
-                <a:alpha val="40000"/>
-              </a:schemeClr>
-            </a:glow>
-            <a:innerShdw blurRad="63500" dist="50800" dir="18900000">
-              <a:prstClr val="black">
-                <a:alpha val="50000"/>
-              </a:prstClr>
-            </a:innerShdw>
-          </a:effectLst>
+          <a:effectLst/>
         </p:spPr>
         <p:style>
           <a:lnRef idx="2">
@@ -3291,13 +3307,13 @@
       </p:sp>
       <p:sp>
         <p:nvSpPr>
-          <p:cNvPr id="6" name="Rechteck 5"/>
+          <p:cNvPr id="7" name="Rechteck 6"/>
           <p:cNvSpPr/>
           <p:nvPr/>
         </p:nvSpPr>
         <p:spPr>
           <a:xfrm>
-            <a:off x="2987776" y="1826712"/>
+            <a:off x="2987776" y="2276872"/>
             <a:ext cx="1296000" cy="180000"/>
           </a:xfrm>
           <a:prstGeom prst="rect">
@@ -3311,23 +3327,11 @@
           </a:solidFill>
           <a:ln w="38100" cmpd="sng">
             <a:solidFill>
-              <a:srgbClr val="3FCDFF"/>
+              <a:srgbClr val="E5E5E5"/>
             </a:solidFill>
             <a:prstDash val="solid"/>
           </a:ln>
-          <a:effectLst>
-            <a:glow rad="101600">
-              <a:schemeClr val="accent1">
-                <a:satMod val="175000"/>
-                <a:alpha val="40000"/>
-              </a:schemeClr>
-            </a:glow>
-            <a:innerShdw blurRad="63500" dist="50800" dir="18900000">
-              <a:prstClr val="black">
-                <a:alpha val="50000"/>
-              </a:prstClr>
-            </a:innerShdw>
-          </a:effectLst>
+          <a:effectLst/>
         </p:spPr>
         <p:style>
           <a:lnRef idx="2">
@@ -3356,71 +3360,6 @@
       </p:sp>
       <p:sp>
         <p:nvSpPr>
-          <p:cNvPr id="7" name="Rechteck 6"/>
-          <p:cNvSpPr/>
-          <p:nvPr/>
-        </p:nvSpPr>
-        <p:spPr>
-          <a:xfrm>
-            <a:off x="2987776" y="2276872"/>
-            <a:ext cx="1296000" cy="180000"/>
-          </a:xfrm>
-          <a:prstGeom prst="rect">
-            <a:avLst/>
-          </a:prstGeom>
-          <a:solidFill>
-            <a:schemeClr val="tx1">
-              <a:lumMod val="65000"/>
-              <a:lumOff val="35000"/>
-            </a:schemeClr>
-          </a:solidFill>
-          <a:ln w="38100" cmpd="sng">
-            <a:solidFill>
-              <a:srgbClr val="3FCDFF"/>
-            </a:solidFill>
-            <a:prstDash val="solid"/>
-          </a:ln>
-          <a:effectLst>
-            <a:glow rad="101600">
-              <a:schemeClr val="accent1">
-                <a:satMod val="175000"/>
-                <a:alpha val="40000"/>
-              </a:schemeClr>
-            </a:glow>
-            <a:innerShdw blurRad="63500" dist="50800" dir="18900000">
-              <a:prstClr val="black">
-                <a:alpha val="50000"/>
-              </a:prstClr>
-            </a:innerShdw>
-          </a:effectLst>
-        </p:spPr>
-        <p:style>
-          <a:lnRef idx="2">
-            <a:schemeClr val="accent1">
-              <a:shade val="50000"/>
-            </a:schemeClr>
-          </a:lnRef>
-          <a:fillRef idx="1">
-            <a:schemeClr val="accent1"/>
-          </a:fillRef>
-          <a:effectRef idx="0">
-            <a:schemeClr val="accent1"/>
-          </a:effectRef>
-          <a:fontRef idx="minor">
-            <a:schemeClr val="lt1"/>
-          </a:fontRef>
-        </p:style>
-        <p:txBody>
-          <a:bodyPr rtlCol="0" anchor="ctr"/>
-          <a:lstStyle/>
-          <a:p>
-            <a:pPr algn="ctr"/>
-            <a:endParaRPr lang="de-DE"/>
-          </a:p>
-        </p:txBody>
-      </p:sp>
-      <p:sp>
-        <p:nvSpPr>
           <p:cNvPr id="2" name="Rechteck 1"/>
           <p:cNvSpPr/>
           <p:nvPr/>
@@ -3439,9 +3378,9 @@
               <a:lumOff val="35000"/>
             </a:schemeClr>
           </a:solidFill>
-          <a:ln w="28575">
+          <a:ln w="19050">
             <a:solidFill>
-              <a:srgbClr val="3FCDFF"/>
+              <a:srgbClr val="0070C0"/>
             </a:solidFill>
           </a:ln>
         </p:spPr>
@@ -3487,7 +3426,7 @@
             <a:avLst/>
           </a:prstGeom>
           <a:solidFill>
-            <a:srgbClr val="7F7F7F"/>
+            <a:srgbClr val="E5E5E5"/>
           </a:solidFill>
           <a:ln>
             <a:noFill/>
